--- a/R_Lecture/part2/stage2/Exercise/이희철.pptx
+++ b/R_Lecture/part2/stage2/Exercise/이희철.pptx
@@ -9,7 +9,8 @@
     <p:sldId id="257" r:id="rId3"/>
     <p:sldId id="260" r:id="rId4"/>
     <p:sldId id="258" r:id="rId5"/>
-    <p:sldId id="259" r:id="rId6"/>
+    <p:sldId id="261" r:id="rId6"/>
+    <p:sldId id="259" r:id="rId7"/>
   </p:sldIdLst>
   <p:sldSz cx="9144000" cy="6858000" type="screen4x3"/>
   <p:notesSz cx="6858000" cy="9144000"/>
@@ -292,7 +293,7 @@
           <a:p>
             <a:fld id="{EA9B601D-FA8C-49DA-B7F7-E505DC9CD67D}" type="datetimeFigureOut">
               <a:rPr lang="ko-KR" altLang="en-US" smtClean="0"/>
-              <a:t>2019-06-12</a:t>
+              <a:t>2019-06-13</a:t>
             </a:fld>
             <a:endParaRPr lang="ko-KR" altLang="en-US"/>
           </a:p>
@@ -462,7 +463,7 @@
           <a:p>
             <a:fld id="{EA9B601D-FA8C-49DA-B7F7-E505DC9CD67D}" type="datetimeFigureOut">
               <a:rPr lang="ko-KR" altLang="en-US" smtClean="0"/>
-              <a:t>2019-06-12</a:t>
+              <a:t>2019-06-13</a:t>
             </a:fld>
             <a:endParaRPr lang="ko-KR" altLang="en-US"/>
           </a:p>
@@ -642,7 +643,7 @@
           <a:p>
             <a:fld id="{EA9B601D-FA8C-49DA-B7F7-E505DC9CD67D}" type="datetimeFigureOut">
               <a:rPr lang="ko-KR" altLang="en-US" smtClean="0"/>
-              <a:t>2019-06-12</a:t>
+              <a:t>2019-06-13</a:t>
             </a:fld>
             <a:endParaRPr lang="ko-KR" altLang="en-US"/>
           </a:p>
@@ -812,7 +813,7 @@
           <a:p>
             <a:fld id="{EA9B601D-FA8C-49DA-B7F7-E505DC9CD67D}" type="datetimeFigureOut">
               <a:rPr lang="ko-KR" altLang="en-US" smtClean="0"/>
-              <a:t>2019-06-12</a:t>
+              <a:t>2019-06-13</a:t>
             </a:fld>
             <a:endParaRPr lang="ko-KR" altLang="en-US"/>
           </a:p>
@@ -1058,7 +1059,7 @@
           <a:p>
             <a:fld id="{EA9B601D-FA8C-49DA-B7F7-E505DC9CD67D}" type="datetimeFigureOut">
               <a:rPr lang="ko-KR" altLang="en-US" smtClean="0"/>
-              <a:t>2019-06-12</a:t>
+              <a:t>2019-06-13</a:t>
             </a:fld>
             <a:endParaRPr lang="ko-KR" altLang="en-US"/>
           </a:p>
@@ -1346,7 +1347,7 @@
           <a:p>
             <a:fld id="{EA9B601D-FA8C-49DA-B7F7-E505DC9CD67D}" type="datetimeFigureOut">
               <a:rPr lang="ko-KR" altLang="en-US" smtClean="0"/>
-              <a:t>2019-06-12</a:t>
+              <a:t>2019-06-13</a:t>
             </a:fld>
             <a:endParaRPr lang="ko-KR" altLang="en-US"/>
           </a:p>
@@ -1768,7 +1769,7 @@
           <a:p>
             <a:fld id="{EA9B601D-FA8C-49DA-B7F7-E505DC9CD67D}" type="datetimeFigureOut">
               <a:rPr lang="ko-KR" altLang="en-US" smtClean="0"/>
-              <a:t>2019-06-12</a:t>
+              <a:t>2019-06-13</a:t>
             </a:fld>
             <a:endParaRPr lang="ko-KR" altLang="en-US"/>
           </a:p>
@@ -1886,7 +1887,7 @@
           <a:p>
             <a:fld id="{EA9B601D-FA8C-49DA-B7F7-E505DC9CD67D}" type="datetimeFigureOut">
               <a:rPr lang="ko-KR" altLang="en-US" smtClean="0"/>
-              <a:t>2019-06-12</a:t>
+              <a:t>2019-06-13</a:t>
             </a:fld>
             <a:endParaRPr lang="ko-KR" altLang="en-US"/>
           </a:p>
@@ -1981,7 +1982,7 @@
           <a:p>
             <a:fld id="{EA9B601D-FA8C-49DA-B7F7-E505DC9CD67D}" type="datetimeFigureOut">
               <a:rPr lang="ko-KR" altLang="en-US" smtClean="0"/>
-              <a:t>2019-06-12</a:t>
+              <a:t>2019-06-13</a:t>
             </a:fld>
             <a:endParaRPr lang="ko-KR" altLang="en-US"/>
           </a:p>
@@ -2258,7 +2259,7 @@
           <a:p>
             <a:fld id="{EA9B601D-FA8C-49DA-B7F7-E505DC9CD67D}" type="datetimeFigureOut">
               <a:rPr lang="ko-KR" altLang="en-US" smtClean="0"/>
-              <a:t>2019-06-12</a:t>
+              <a:t>2019-06-13</a:t>
             </a:fld>
             <a:endParaRPr lang="ko-KR" altLang="en-US"/>
           </a:p>
@@ -2511,7 +2512,7 @@
           <a:p>
             <a:fld id="{EA9B601D-FA8C-49DA-B7F7-E505DC9CD67D}" type="datetimeFigureOut">
               <a:rPr lang="ko-KR" altLang="en-US" smtClean="0"/>
-              <a:t>2019-06-12</a:t>
+              <a:t>2019-06-13</a:t>
             </a:fld>
             <a:endParaRPr lang="ko-KR" altLang="en-US"/>
           </a:p>
@@ -2724,7 +2725,7 @@
           <a:p>
             <a:fld id="{EA9B601D-FA8C-49DA-B7F7-E505DC9CD67D}" type="datetimeFigureOut">
               <a:rPr lang="ko-KR" altLang="en-US" smtClean="0"/>
-              <a:t>2019-06-12</a:t>
+              <a:t>2019-06-13</a:t>
             </a:fld>
             <a:endParaRPr lang="ko-KR" altLang="en-US"/>
           </a:p>
@@ -5003,9 +5004,9 @@
         <p:grpSpPr>
           <a:xfrm>
             <a:off x="171678" y="1505827"/>
-            <a:ext cx="8732060" cy="1851165"/>
+            <a:ext cx="8732060" cy="2283213"/>
             <a:chOff x="171678" y="1145787"/>
-            <a:chExt cx="8732060" cy="1851165"/>
+            <a:chExt cx="8732060" cy="2283213"/>
           </a:xfrm>
         </p:grpSpPr>
         <p:sp>
@@ -5017,7 +5018,7 @@
           <p:spPr>
             <a:xfrm>
               <a:off x="179686" y="1623173"/>
-              <a:ext cx="8724052" cy="1373779"/>
+              <a:ext cx="8724052" cy="1805827"/>
             </a:xfrm>
             <a:prstGeom prst="rect">
               <a:avLst/>
@@ -5241,15 +5242,7 @@
                     <a:schemeClr val="tx1"/>
                   </a:solidFill>
                 </a:rPr>
-                <a:t> </a:t>
-              </a:r>
-              <a:r>
-                <a:rPr lang="en-US" altLang="ko-KR" sz="1400" dirty="0" smtClean="0">
-                  <a:solidFill>
-                    <a:schemeClr val="tx1"/>
-                  </a:solidFill>
-                </a:rPr>
-                <a:t>mutate(</a:t>
+                <a:t> mutate(</a:t>
               </a:r>
               <a:r>
                 <a:rPr lang="en-US" altLang="ko-KR" sz="1400" dirty="0" err="1" smtClean="0">
@@ -5365,15 +5358,7 @@
                     <a:schemeClr val="tx1"/>
                   </a:solidFill>
                 </a:rPr>
-                <a:t># </a:t>
-              </a:r>
-              <a:r>
-                <a:rPr lang="en-US" altLang="ko-KR" sz="1400" dirty="0" smtClean="0">
-                  <a:solidFill>
-                    <a:schemeClr val="tx1"/>
-                  </a:solidFill>
-                </a:rPr>
-                <a:t>label </a:t>
+                <a:t># label </a:t>
               </a:r>
               <a:r>
                 <a:rPr lang="ko-KR" altLang="en-US" sz="1400" dirty="0" smtClean="0">
@@ -5392,529 +5377,6 @@
           </p:txBody>
         </p:sp>
       </p:grpSp>
-      <p:grpSp>
-        <p:nvGrpSpPr>
-          <p:cNvPr id="8" name="그룹 7"/>
-          <p:cNvGrpSpPr/>
-          <p:nvPr/>
-        </p:nvGrpSpPr>
-        <p:grpSpPr>
-          <a:xfrm>
-            <a:off x="160420" y="3522051"/>
-            <a:ext cx="8732060" cy="2499237"/>
-            <a:chOff x="171678" y="1145787"/>
-            <a:chExt cx="8732060" cy="2234121"/>
-          </a:xfrm>
-        </p:grpSpPr>
-        <p:sp>
-          <p:nvSpPr>
-            <p:cNvPr id="9" name="직사각형 8"/>
-            <p:cNvSpPr/>
-            <p:nvPr/>
-          </p:nvSpPr>
-          <p:spPr>
-            <a:xfrm>
-              <a:off x="179686" y="1623173"/>
-              <a:ext cx="8724052" cy="1756735"/>
-            </a:xfrm>
-            <a:prstGeom prst="rect">
-              <a:avLst/>
-            </a:prstGeom>
-            <a:noFill/>
-            <a:ln>
-              <a:solidFill>
-                <a:schemeClr val="accent1"/>
-              </a:solidFill>
-            </a:ln>
-          </p:spPr>
-          <p:style>
-            <a:lnRef idx="2">
-              <a:schemeClr val="accent1">
-                <a:shade val="50000"/>
-              </a:schemeClr>
-            </a:lnRef>
-            <a:fillRef idx="1">
-              <a:schemeClr val="accent1"/>
-            </a:fillRef>
-            <a:effectRef idx="0">
-              <a:schemeClr val="accent1"/>
-            </a:effectRef>
-            <a:fontRef idx="minor">
-              <a:schemeClr val="lt1"/>
-            </a:fontRef>
-          </p:style>
-          <p:txBody>
-            <a:bodyPr rtlCol="0" anchor="ctr"/>
-            <a:lstStyle/>
-            <a:p>
-              <a:r>
-                <a:rPr lang="en-US" altLang="ko-KR" sz="1400" dirty="0" err="1" smtClean="0">
-                  <a:solidFill>
-                    <a:schemeClr val="tx1"/>
-                  </a:solidFill>
-                </a:rPr>
-                <a:t>ggplot</a:t>
-              </a:r>
-              <a:r>
-                <a:rPr lang="en-US" altLang="ko-KR" sz="1400" dirty="0" smtClean="0">
-                  <a:solidFill>
-                    <a:schemeClr val="tx1"/>
-                  </a:solidFill>
-                </a:rPr>
-                <a:t>(df_top10, </a:t>
-              </a:r>
-              <a:r>
-                <a:rPr lang="en-US" altLang="ko-KR" sz="1400" dirty="0" err="1" smtClean="0">
-                  <a:solidFill>
-                    <a:schemeClr val="tx1"/>
-                  </a:solidFill>
-                </a:rPr>
-                <a:t>aes</a:t>
-              </a:r>
-              <a:r>
-                <a:rPr lang="en-US" altLang="ko-KR" sz="1400" dirty="0" smtClean="0">
-                  <a:solidFill>
-                    <a:schemeClr val="tx1"/>
-                  </a:solidFill>
-                </a:rPr>
-                <a:t>(x='', y=</a:t>
-              </a:r>
-              <a:r>
-                <a:rPr lang="en-US" altLang="ko-KR" sz="1400" dirty="0" err="1" smtClean="0">
-                  <a:solidFill>
-                    <a:schemeClr val="tx1"/>
-                  </a:solidFill>
-                </a:rPr>
-                <a:t>pct</a:t>
-              </a:r>
-              <a:r>
-                <a:rPr lang="en-US" altLang="ko-KR" sz="1400" dirty="0" smtClean="0">
-                  <a:solidFill>
-                    <a:schemeClr val="tx1"/>
-                  </a:solidFill>
-                </a:rPr>
-                <a:t>, fill=rev)) +</a:t>
-              </a:r>
-            </a:p>
-            <a:p>
-              <a:r>
-                <a:rPr lang="en-US" altLang="ko-KR" sz="1400" dirty="0" smtClean="0">
-                  <a:solidFill>
-                    <a:schemeClr val="tx1"/>
-                  </a:solidFill>
-                </a:rPr>
-                <a:t>  </a:t>
-              </a:r>
-              <a:r>
-                <a:rPr lang="en-US" altLang="ko-KR" sz="1400" dirty="0" err="1" smtClean="0">
-                  <a:solidFill>
-                    <a:schemeClr val="tx1"/>
-                  </a:solidFill>
-                </a:rPr>
-                <a:t>geom_bar</a:t>
-              </a:r>
-              <a:r>
-                <a:rPr lang="en-US" altLang="ko-KR" sz="1400" dirty="0" smtClean="0">
-                  <a:solidFill>
-                    <a:schemeClr val="tx1"/>
-                  </a:solidFill>
-                </a:rPr>
-                <a:t>(width=1, stat='identity') +</a:t>
-              </a:r>
-            </a:p>
-            <a:p>
-              <a:r>
-                <a:rPr lang="en-US" altLang="ko-KR" sz="1400" dirty="0" smtClean="0">
-                  <a:solidFill>
-                    <a:schemeClr val="tx1"/>
-                  </a:solidFill>
-                </a:rPr>
-                <a:t>  </a:t>
-              </a:r>
-              <a:r>
-                <a:rPr lang="en-US" altLang="ko-KR" sz="1400" dirty="0" err="1" smtClean="0">
-                  <a:solidFill>
-                    <a:schemeClr val="tx1"/>
-                  </a:solidFill>
-                </a:rPr>
-                <a:t>geom_text</a:t>
-              </a:r>
-              <a:r>
-                <a:rPr lang="en-US" altLang="ko-KR" sz="1400" dirty="0" smtClean="0">
-                  <a:solidFill>
-                    <a:schemeClr val="tx1"/>
-                  </a:solidFill>
-                </a:rPr>
-                <a:t>(</a:t>
-              </a:r>
-              <a:r>
-                <a:rPr lang="en-US" altLang="ko-KR" sz="1400" dirty="0" err="1" smtClean="0">
-                  <a:solidFill>
-                    <a:schemeClr val="tx1"/>
-                  </a:solidFill>
-                </a:rPr>
-                <a:t>aes</a:t>
-              </a:r>
-              <a:r>
-                <a:rPr lang="en-US" altLang="ko-KR" sz="1400" dirty="0" smtClean="0">
-                  <a:solidFill>
-                    <a:schemeClr val="tx1"/>
-                  </a:solidFill>
-                </a:rPr>
-                <a:t>(y=</a:t>
-              </a:r>
-              <a:r>
-                <a:rPr lang="en-US" altLang="ko-KR" sz="1400" dirty="0" err="1" smtClean="0">
-                  <a:solidFill>
-                    <a:schemeClr val="tx1"/>
-                  </a:solidFill>
-                </a:rPr>
-                <a:t>ypos</a:t>
-              </a:r>
-              <a:r>
-                <a:rPr lang="en-US" altLang="ko-KR" sz="1400" dirty="0" smtClean="0">
-                  <a:solidFill>
-                    <a:schemeClr val="tx1"/>
-                  </a:solidFill>
-                </a:rPr>
-                <a:t>, label=</a:t>
-              </a:r>
-              <a:r>
-                <a:rPr lang="en-US" altLang="ko-KR" sz="1400" dirty="0" err="1" smtClean="0">
-                  <a:solidFill>
-                    <a:schemeClr val="tx1"/>
-                  </a:solidFill>
-                </a:rPr>
-                <a:t>ylabel</a:t>
-              </a:r>
-              <a:r>
-                <a:rPr lang="en-US" altLang="ko-KR" sz="1400" dirty="0" smtClean="0">
-                  <a:solidFill>
-                    <a:schemeClr val="tx1"/>
-                  </a:solidFill>
-                </a:rPr>
-                <a:t>), </a:t>
-              </a:r>
-            </a:p>
-            <a:p>
-              <a:r>
-                <a:rPr lang="en-US" altLang="ko-KR" sz="1400" dirty="0">
-                  <a:solidFill>
-                    <a:schemeClr val="tx1"/>
-                  </a:solidFill>
-                </a:rPr>
-                <a:t> </a:t>
-              </a:r>
-              <a:r>
-                <a:rPr lang="en-US" altLang="ko-KR" sz="1400" dirty="0" smtClean="0">
-                  <a:solidFill>
-                    <a:schemeClr val="tx1"/>
-                  </a:solidFill>
-                </a:rPr>
-                <a:t>     </a:t>
-              </a:r>
-              <a:r>
-                <a:rPr lang="en-US" altLang="ko-KR" sz="1400" dirty="0" smtClean="0">
-                  <a:solidFill>
-                    <a:schemeClr val="tx1"/>
-                  </a:solidFill>
-                </a:rPr>
-                <a:t>color='black', size=4) +</a:t>
-              </a:r>
-            </a:p>
-            <a:p>
-              <a:r>
-                <a:rPr lang="en-US" altLang="ko-KR" sz="1400" dirty="0" smtClean="0">
-                  <a:solidFill>
-                    <a:schemeClr val="tx1"/>
-                  </a:solidFill>
-                </a:rPr>
-                <a:t>  </a:t>
-              </a:r>
-              <a:r>
-                <a:rPr lang="en-US" altLang="ko-KR" sz="1400" dirty="0" err="1" smtClean="0">
-                  <a:solidFill>
-                    <a:schemeClr val="tx1"/>
-                  </a:solidFill>
-                </a:rPr>
-                <a:t>coord_polar</a:t>
-              </a:r>
-              <a:r>
-                <a:rPr lang="en-US" altLang="ko-KR" sz="1400" dirty="0" smtClean="0">
-                  <a:solidFill>
-                    <a:schemeClr val="tx1"/>
-                  </a:solidFill>
-                </a:rPr>
-                <a:t>('y', start =0) +</a:t>
-              </a:r>
-            </a:p>
-            <a:p>
-              <a:r>
-                <a:rPr lang="en-US" altLang="ko-KR" sz="1400" dirty="0" smtClean="0">
-                  <a:solidFill>
-                    <a:schemeClr val="tx1"/>
-                  </a:solidFill>
-                </a:rPr>
-                <a:t>  </a:t>
-              </a:r>
-              <a:r>
-                <a:rPr lang="en-US" altLang="ko-KR" sz="1400" dirty="0" err="1" smtClean="0">
-                  <a:solidFill>
-                    <a:schemeClr val="tx1"/>
-                  </a:solidFill>
-                </a:rPr>
-                <a:t>ggtitle</a:t>
-              </a:r>
-              <a:r>
-                <a:rPr lang="en-US" altLang="ko-KR" sz="1400" dirty="0" smtClean="0">
-                  <a:solidFill>
-                    <a:schemeClr val="tx1"/>
-                  </a:solidFill>
-                </a:rPr>
-                <a:t>('</a:t>
-              </a:r>
-              <a:r>
-                <a:rPr lang="en-US" altLang="ko-KR" sz="1400" dirty="0" err="1" smtClean="0">
-                  <a:solidFill>
-                    <a:schemeClr val="tx1"/>
-                  </a:solidFill>
-                </a:rPr>
-                <a:t>Hiphop</a:t>
-              </a:r>
-              <a:r>
-                <a:rPr lang="en-US" altLang="ko-KR" sz="1400" dirty="0" smtClean="0">
-                  <a:solidFill>
-                    <a:schemeClr val="tx1"/>
-                  </a:solidFill>
-                </a:rPr>
-                <a:t> Words TOP 10') +</a:t>
-              </a:r>
-            </a:p>
-            <a:p>
-              <a:r>
-                <a:rPr lang="en-US" altLang="ko-KR" sz="1400" dirty="0" smtClean="0">
-                  <a:solidFill>
-                    <a:schemeClr val="tx1"/>
-                  </a:solidFill>
-                </a:rPr>
-                <a:t>  theme(</a:t>
-              </a:r>
-              <a:r>
-                <a:rPr lang="en-US" altLang="ko-KR" sz="1400" dirty="0" err="1" smtClean="0">
-                  <a:solidFill>
-                    <a:schemeClr val="tx1"/>
-                  </a:solidFill>
-                </a:rPr>
-                <a:t>plot.title</a:t>
-              </a:r>
-              <a:r>
-                <a:rPr lang="en-US" altLang="ko-KR" sz="1400" dirty="0" smtClean="0">
-                  <a:solidFill>
-                    <a:schemeClr val="tx1"/>
-                  </a:solidFill>
-                </a:rPr>
-                <a:t>=</a:t>
-              </a:r>
-              <a:r>
-                <a:rPr lang="en-US" altLang="ko-KR" sz="1400" dirty="0" err="1" smtClean="0">
-                  <a:solidFill>
-                    <a:schemeClr val="tx1"/>
-                  </a:solidFill>
-                </a:rPr>
-                <a:t>element_text</a:t>
-              </a:r>
-              <a:r>
-                <a:rPr lang="en-US" altLang="ko-KR" sz="1400" dirty="0" smtClean="0">
-                  <a:solidFill>
-                    <a:schemeClr val="tx1"/>
-                  </a:solidFill>
-                </a:rPr>
-                <a:t>(face='bold',</a:t>
-              </a:r>
-            </a:p>
-            <a:p>
-              <a:r>
-                <a:rPr lang="en-US" altLang="ko-KR" sz="1400" dirty="0">
-                  <a:solidFill>
-                    <a:schemeClr val="tx1"/>
-                  </a:solidFill>
-                </a:rPr>
-                <a:t> </a:t>
-              </a:r>
-              <a:r>
-                <a:rPr lang="en-US" altLang="ko-KR" sz="1400" dirty="0" smtClean="0">
-                  <a:solidFill>
-                    <a:schemeClr val="tx1"/>
-                  </a:solidFill>
-                </a:rPr>
-                <a:t>     </a:t>
-              </a:r>
-              <a:r>
-                <a:rPr lang="en-US" altLang="ko-KR" sz="1400" dirty="0" err="1" smtClean="0">
-                  <a:solidFill>
-                    <a:schemeClr val="tx1"/>
-                  </a:solidFill>
-                </a:rPr>
-                <a:t>hjust</a:t>
-              </a:r>
-              <a:r>
-                <a:rPr lang="en-US" altLang="ko-KR" sz="1400" dirty="0" smtClean="0">
-                  <a:solidFill>
-                    <a:schemeClr val="tx1"/>
-                  </a:solidFill>
-                </a:rPr>
-                <a:t> = 0.5, size = 15, color = 'red'))</a:t>
-              </a:r>
-            </a:p>
-          </p:txBody>
-        </p:sp>
-        <p:sp>
-          <p:nvSpPr>
-            <p:cNvPr id="10" name="직사각형 9"/>
-            <p:cNvSpPr/>
-            <p:nvPr/>
-          </p:nvSpPr>
-          <p:spPr>
-            <a:xfrm>
-              <a:off x="171678" y="1145787"/>
-              <a:ext cx="8720801" cy="411006"/>
-            </a:xfrm>
-            <a:prstGeom prst="rect">
-              <a:avLst/>
-            </a:prstGeom>
-            <a:noFill/>
-            <a:ln>
-              <a:solidFill>
-                <a:schemeClr val="accent1"/>
-              </a:solidFill>
-            </a:ln>
-          </p:spPr>
-          <p:style>
-            <a:lnRef idx="2">
-              <a:schemeClr val="accent1">
-                <a:shade val="50000"/>
-              </a:schemeClr>
-            </a:lnRef>
-            <a:fillRef idx="1">
-              <a:schemeClr val="accent1"/>
-            </a:fillRef>
-            <a:effectRef idx="0">
-              <a:schemeClr val="accent1"/>
-            </a:effectRef>
-            <a:fontRef idx="minor">
-              <a:schemeClr val="lt1"/>
-            </a:fontRef>
-          </p:style>
-          <p:txBody>
-            <a:bodyPr rtlCol="0" anchor="ctr"/>
-            <a:lstStyle/>
-            <a:p>
-              <a:r>
-                <a:rPr lang="en-US" altLang="ko-KR" sz="1400" dirty="0" smtClean="0">
-                  <a:solidFill>
-                    <a:schemeClr val="tx1"/>
-                  </a:solidFill>
-                </a:rPr>
-                <a:t># </a:t>
-              </a:r>
-              <a:r>
-                <a:rPr lang="en-US" altLang="ko-KR" sz="1400" dirty="0" err="1" smtClean="0">
-                  <a:solidFill>
-                    <a:schemeClr val="tx1"/>
-                  </a:solidFill>
-                </a:rPr>
-                <a:t>ggplot</a:t>
-              </a:r>
-              <a:r>
-                <a:rPr lang="ko-KR" altLang="en-US" sz="1400" dirty="0" smtClean="0">
-                  <a:solidFill>
-                    <a:schemeClr val="tx1"/>
-                  </a:solidFill>
-                </a:rPr>
-                <a:t>으로 </a:t>
-              </a:r>
-              <a:r>
-                <a:rPr lang="en-US" altLang="ko-KR" sz="1400" dirty="0" smtClean="0">
-                  <a:solidFill>
-                    <a:schemeClr val="tx1"/>
-                  </a:solidFill>
-                </a:rPr>
-                <a:t>bar</a:t>
-              </a:r>
-              <a:r>
-                <a:rPr lang="ko-KR" altLang="en-US" sz="1400" dirty="0" smtClean="0">
-                  <a:solidFill>
-                    <a:schemeClr val="tx1"/>
-                  </a:solidFill>
-                </a:rPr>
-                <a:t> 그래프 만든 후에 </a:t>
-              </a:r>
-              <a:r>
-                <a:rPr lang="en-US" altLang="ko-KR" sz="1400" dirty="0" smtClean="0">
-                  <a:solidFill>
-                    <a:schemeClr val="tx1"/>
-                  </a:solidFill>
-                </a:rPr>
-                <a:t>pie</a:t>
-              </a:r>
-              <a:r>
-                <a:rPr lang="ko-KR" altLang="en-US" sz="1400" dirty="0" smtClean="0">
-                  <a:solidFill>
-                    <a:schemeClr val="tx1"/>
-                  </a:solidFill>
-                </a:rPr>
-                <a:t>형 그래프 만들기</a:t>
-              </a:r>
-              <a:endParaRPr lang="en-US" altLang="ko-KR" sz="1400" dirty="0" smtClean="0">
-                <a:solidFill>
-                  <a:schemeClr val="tx1"/>
-                </a:solidFill>
-              </a:endParaRPr>
-            </a:p>
-          </p:txBody>
-        </p:sp>
-      </p:grpSp>
-      <p:pic>
-        <p:nvPicPr>
-          <p:cNvPr id="2050" name="Picture 2" descr="D:\Heechul\R\R_Lecture\part2\stage2\Exercise\hiphop2.jpeg"/>
-          <p:cNvPicPr>
-            <a:picLocks noChangeAspect="1" noChangeArrowheads="1"/>
-          </p:cNvPicPr>
-          <p:nvPr/>
-        </p:nvPicPr>
-        <p:blipFill>
-          <a:blip r:embed="rId2">
-            <a:extLst>
-              <a:ext uri="{28A0092B-C50C-407E-A947-70E740481C1C}">
-                <a14:useLocalDpi xmlns:a14="http://schemas.microsoft.com/office/drawing/2010/main" val="0"/>
-              </a:ext>
-            </a:extLst>
-          </a:blip>
-          <a:srcRect/>
-          <a:stretch>
-            <a:fillRect/>
-          </a:stretch>
-        </p:blipFill>
-        <p:spPr bwMode="auto">
-          <a:xfrm>
-            <a:off x="4788024" y="4111526"/>
-            <a:ext cx="1414463" cy="1909762"/>
-          </a:xfrm>
-          <a:prstGeom prst="rect">
-            <a:avLst/>
-          </a:prstGeom>
-          <a:noFill/>
-          <a:extLst>
-            <a:ext uri="{909E8E84-426E-40DD-AFC4-6F175D3DCCD1}">
-              <a14:hiddenFill xmlns:a14="http://schemas.microsoft.com/office/drawing/2010/main">
-                <a:solidFill>
-                  <a:srgbClr val="FFFFFF"/>
-                </a:solidFill>
-              </a14:hiddenFill>
-            </a:ext>
-          </a:extLst>
-        </p:spPr>
-      </p:pic>
     </p:spTree>
     <p:extLst>
       <p:ext uri="{BB962C8B-B14F-4D97-AF65-F5344CB8AC3E}">
@@ -5972,93 +5434,57 @@
                 <a:solidFill>
                   <a:schemeClr val="tx1"/>
                 </a:solidFill>
-                <a:latin typeface="+mj-lt"/>
               </a:rPr>
-              <a:t># Bar </a:t>
-            </a:r>
-            <a:r>
-              <a:rPr lang="ko-KR" altLang="en-US" sz="4000" dirty="0" smtClean="0">
+              <a:t># </a:t>
+            </a:r>
+            <a:r>
+              <a:rPr lang="en-US" altLang="ko-KR" sz="4000" dirty="0" smtClean="0"/>
+              <a:t>Pie </a:t>
+            </a:r>
+            <a:r>
+              <a:rPr lang="ko-KR" altLang="en-US" sz="4000" dirty="0" smtClean="0"/>
+              <a:t>그래프</a:t>
+            </a:r>
+            <a:r>
+              <a:rPr lang="en-US" altLang="ko-KR" sz="4000" dirty="0" smtClean="0">
                 <a:solidFill>
                   <a:schemeClr val="tx1"/>
                 </a:solidFill>
-                <a:latin typeface="+mj-lt"/>
               </a:rPr>
-              <a:t>그래프</a:t>
+              <a:t> </a:t>
             </a:r>
             <a:endParaRPr lang="en-US" altLang="ko-KR" sz="4000" dirty="0">
               <a:solidFill>
                 <a:schemeClr val="tx1"/>
               </a:solidFill>
-              <a:latin typeface="+mj-lt"/>
             </a:endParaRPr>
           </a:p>
         </p:txBody>
       </p:sp>
-      <p:pic>
-        <p:nvPicPr>
-          <p:cNvPr id="3074" name="Picture 2" descr="D:\Heechul\R\R_Lecture\part2\stage2\Exercise\hiphop3.jpeg"/>
-          <p:cNvPicPr>
-            <a:picLocks noChangeAspect="1" noChangeArrowheads="1"/>
-          </p:cNvPicPr>
-          <p:nvPr/>
-        </p:nvPicPr>
-        <p:blipFill>
-          <a:blip r:embed="rId2">
-            <a:extLst>
-              <a:ext uri="{28A0092B-C50C-407E-A947-70E740481C1C}">
-                <a14:useLocalDpi xmlns:a14="http://schemas.microsoft.com/office/drawing/2010/main" val="0"/>
-              </a:ext>
-            </a:extLst>
-          </a:blip>
-          <a:srcRect/>
-          <a:stretch>
-            <a:fillRect/>
-          </a:stretch>
-        </p:blipFill>
-        <p:spPr bwMode="auto">
-          <a:xfrm>
-            <a:off x="7092280" y="3933056"/>
-            <a:ext cx="1496143" cy="2020044"/>
-          </a:xfrm>
-          <a:prstGeom prst="rect">
-            <a:avLst/>
-          </a:prstGeom>
-          <a:noFill/>
-          <a:extLst>
-            <a:ext uri="{909E8E84-426E-40DD-AFC4-6F175D3DCCD1}">
-              <a14:hiddenFill xmlns:a14="http://schemas.microsoft.com/office/drawing/2010/main">
-                <a:solidFill>
-                  <a:srgbClr val="FFFFFF"/>
-                </a:solidFill>
-              </a14:hiddenFill>
-            </a:ext>
-          </a:extLst>
-        </p:spPr>
-      </p:pic>
       <p:grpSp>
         <p:nvGrpSpPr>
-          <p:cNvPr id="6" name="그룹 5"/>
+          <p:cNvPr id="8" name="그룹 7"/>
           <p:cNvGrpSpPr/>
           <p:nvPr/>
         </p:nvGrpSpPr>
         <p:grpSpPr>
           <a:xfrm>
-            <a:off x="168428" y="2348880"/>
-            <a:ext cx="8732060" cy="2499237"/>
+            <a:off x="160420" y="1484784"/>
+            <a:ext cx="8732060" cy="4968552"/>
             <a:chOff x="171678" y="1145787"/>
-            <a:chExt cx="8732060" cy="2234121"/>
+            <a:chExt cx="8732060" cy="4441494"/>
           </a:xfrm>
         </p:grpSpPr>
         <p:sp>
           <p:nvSpPr>
-            <p:cNvPr id="7" name="직사각형 6"/>
+            <p:cNvPr id="9" name="직사각형 8"/>
             <p:cNvSpPr/>
             <p:nvPr/>
           </p:nvSpPr>
           <p:spPr>
             <a:xfrm>
               <a:off x="179686" y="1623173"/>
-              <a:ext cx="8724052" cy="1756735"/>
+              <a:ext cx="8724052" cy="3964108"/>
             </a:xfrm>
             <a:prstGeom prst="rect">
               <a:avLst/>
@@ -6096,22 +5522,6 @@
                     <a:schemeClr val="tx1"/>
                   </a:solidFill>
                 </a:rPr>
-                <a:t>gg</a:t>
-              </a:r>
-              <a:r>
-                <a:rPr lang="en-US" altLang="ko-KR" sz="1400" dirty="0" smtClean="0">
-                  <a:solidFill>
-                    <a:schemeClr val="tx1"/>
-                  </a:solidFill>
-                </a:rPr>
-                <a:t> &lt;- </a:t>
-              </a:r>
-              <a:r>
-                <a:rPr lang="en-US" altLang="ko-KR" sz="1400" dirty="0" err="1" smtClean="0">
-                  <a:solidFill>
-                    <a:schemeClr val="tx1"/>
-                  </a:solidFill>
-                </a:rPr>
                 <a:t>ggplot</a:t>
               </a:r>
               <a:r>
@@ -6136,15 +5546,15 @@
                     <a:schemeClr val="tx1"/>
                   </a:solidFill>
                 </a:rPr>
-                <a:t>(x=rev, y=</a:t>
-              </a:r>
-              <a:r>
-                <a:rPr lang="en-US" altLang="ko-KR" sz="1400" dirty="0" err="1" smtClean="0">
-                  <a:solidFill>
-                    <a:schemeClr val="tx1"/>
-                  </a:solidFill>
-                </a:rPr>
-                <a:t>Freq</a:t>
+                <a:t>(x='', y=</a:t>
+              </a:r>
+              <a:r>
+                <a:rPr lang="en-US" altLang="ko-KR" sz="1400" dirty="0" err="1" smtClean="0">
+                  <a:solidFill>
+                    <a:schemeClr val="tx1"/>
+                  </a:solidFill>
+                </a:rPr>
+                <a:t>pct</a:t>
               </a:r>
               <a:r>
                 <a:rPr lang="en-US" altLang="ko-KR" sz="1400" dirty="0" smtClean="0">
@@ -6178,23 +5588,7 @@
                     <a:schemeClr val="tx1"/>
                   </a:solidFill>
                 </a:rPr>
-                <a:t>(stat = 'identity', fill='green', </a:t>
-              </a:r>
-              <a:r>
-                <a:rPr lang="en-US" altLang="ko-KR" sz="1400" dirty="0" err="1" smtClean="0">
-                  <a:solidFill>
-                    <a:schemeClr val="tx1"/>
-                  </a:solidFill>
-                </a:rPr>
-                <a:t>colour</a:t>
-              </a:r>
-              <a:r>
-                <a:rPr lang="en-US" altLang="ko-KR" sz="1400" dirty="0" smtClean="0">
-                  <a:solidFill>
-                    <a:schemeClr val="tx1"/>
-                  </a:solidFill>
-                </a:rPr>
-                <a:t>='red') +</a:t>
+                <a:t>(width=1, stat='identity') +</a:t>
               </a:r>
             </a:p>
             <a:p>
@@ -6244,7 +5638,7 @@
                     <a:schemeClr val="tx1"/>
                   </a:solidFill>
                 </a:rPr>
-                <a:t>Freq</a:t>
+                <a:t>ypos</a:t>
               </a:r>
               <a:r>
                 <a:rPr lang="en-US" altLang="ko-KR" sz="1400" dirty="0" smtClean="0">
@@ -6268,7 +5662,23 @@
                     <a:schemeClr val="tx1"/>
                   </a:solidFill>
                 </a:rPr>
-                <a:t>), color='black') +</a:t>
+                <a:t>), </a:t>
+              </a:r>
+              <a:r>
+                <a:rPr lang="en-US" altLang="ko-KR" sz="1400" dirty="0" smtClean="0">
+                  <a:solidFill>
+                    <a:schemeClr val="tx1"/>
+                  </a:solidFill>
+                </a:rPr>
+                <a:t>color</a:t>
+              </a:r>
+              <a:r>
+                <a:rPr lang="en-US" altLang="ko-KR" sz="1400" dirty="0" smtClean="0">
+                  <a:solidFill>
+                    <a:schemeClr val="tx1"/>
+                  </a:solidFill>
+                </a:rPr>
+                <a:t>='black', size=4) +</a:t>
               </a:r>
             </a:p>
             <a:p>
@@ -6286,31 +5696,15 @@
                     <a:schemeClr val="tx1"/>
                   </a:solidFill>
                 </a:rPr>
-                <a:t>ggtitle</a:t>
-              </a:r>
-              <a:r>
-                <a:rPr lang="en-US" altLang="ko-KR" sz="1400" dirty="0" smtClean="0">
-                  <a:solidFill>
-                    <a:schemeClr val="tx1"/>
-                  </a:solidFill>
-                </a:rPr>
-                <a:t>('</a:t>
-              </a:r>
-              <a:r>
-                <a:rPr lang="en-US" altLang="ko-KR" sz="1400" dirty="0" err="1" smtClean="0">
-                  <a:solidFill>
-                    <a:schemeClr val="tx1"/>
-                  </a:solidFill>
-                </a:rPr>
-                <a:t>Hiphop</a:t>
-              </a:r>
-              <a:r>
-                <a:rPr lang="en-US" altLang="ko-KR" sz="1400" dirty="0" smtClean="0">
-                  <a:solidFill>
-                    <a:schemeClr val="tx1"/>
-                  </a:solidFill>
-                </a:rPr>
-                <a:t> Words TOP 10') +</a:t>
+                <a:t>coord_polar</a:t>
+              </a:r>
+              <a:r>
+                <a:rPr lang="en-US" altLang="ko-KR" sz="1400" dirty="0" smtClean="0">
+                  <a:solidFill>
+                    <a:schemeClr val="tx1"/>
+                  </a:solidFill>
+                </a:rPr>
+                <a:t>('y', start =0) +</a:t>
               </a:r>
             </a:p>
             <a:p>
@@ -6320,65 +5714,97 @@
                     <a:schemeClr val="tx1"/>
                   </a:solidFill>
                 </a:rPr>
-                <a:t>  theme(</a:t>
-              </a:r>
-              <a:r>
-                <a:rPr lang="en-US" altLang="ko-KR" sz="1400" dirty="0" err="1" smtClean="0">
-                  <a:solidFill>
-                    <a:schemeClr val="tx1"/>
-                  </a:solidFill>
-                </a:rPr>
-                <a:t>plot.title</a:t>
-              </a:r>
-              <a:r>
-                <a:rPr lang="en-US" altLang="ko-KR" sz="1400" dirty="0" smtClean="0">
-                  <a:solidFill>
-                    <a:schemeClr val="tx1"/>
-                  </a:solidFill>
-                </a:rPr>
-                <a:t> = </a:t>
-              </a:r>
-              <a:r>
-                <a:rPr lang="en-US" altLang="ko-KR" sz="1400" dirty="0" err="1" smtClean="0">
-                  <a:solidFill>
-                    <a:schemeClr val="tx1"/>
-                  </a:solidFill>
-                </a:rPr>
-                <a:t>element_text</a:t>
-              </a:r>
-              <a:r>
-                <a:rPr lang="en-US" altLang="ko-KR" sz="1400" dirty="0" smtClean="0">
-                  <a:solidFill>
-                    <a:schemeClr val="tx1"/>
-                  </a:solidFill>
-                </a:rPr>
-                <a:t>(face = 'bold',</a:t>
-              </a:r>
-              <a:r>
-                <a:rPr lang="en-US" altLang="ko-KR" sz="1400" dirty="0" err="1" smtClean="0">
-                  <a:solidFill>
-                    <a:schemeClr val="tx1"/>
-                  </a:solidFill>
-                </a:rPr>
-                <a:t>hjust</a:t>
-              </a:r>
-              <a:r>
-                <a:rPr lang="en-US" altLang="ko-KR" sz="1400" dirty="0" smtClean="0">
-                  <a:solidFill>
-                    <a:schemeClr val="tx1"/>
-                  </a:solidFill>
-                </a:rPr>
-                <a:t> = 0.5, size = 15, color = 'red'))</a:t>
+                <a:t>  </a:t>
+              </a:r>
+              <a:r>
+                <a:rPr lang="en-US" altLang="ko-KR" sz="1400" dirty="0" err="1" smtClean="0">
+                  <a:solidFill>
+                    <a:schemeClr val="tx1"/>
+                  </a:solidFill>
+                </a:rPr>
+                <a:t>ggtitle</a:t>
+              </a:r>
+              <a:r>
+                <a:rPr lang="en-US" altLang="ko-KR" sz="1400" dirty="0" smtClean="0">
+                  <a:solidFill>
+                    <a:schemeClr val="tx1"/>
+                  </a:solidFill>
+                </a:rPr>
+                <a:t>('</a:t>
+              </a:r>
+              <a:r>
+                <a:rPr lang="en-US" altLang="ko-KR" sz="1400" dirty="0" err="1" smtClean="0">
+                  <a:solidFill>
+                    <a:schemeClr val="tx1"/>
+                  </a:solidFill>
+                </a:rPr>
+                <a:t>Hiphop</a:t>
+              </a:r>
+              <a:r>
+                <a:rPr lang="en-US" altLang="ko-KR" sz="1400" dirty="0" smtClean="0">
+                  <a:solidFill>
+                    <a:schemeClr val="tx1"/>
+                  </a:solidFill>
+                </a:rPr>
+                <a:t> Words TOP 10') +</a:t>
               </a:r>
             </a:p>
             <a:p>
               <a:r>
-                <a:rPr lang="en-US" altLang="ko-KR" sz="1400" dirty="0" err="1" smtClean="0">
-                  <a:solidFill>
-                    <a:schemeClr val="tx1"/>
-                  </a:solidFill>
-                </a:rPr>
-                <a:t>gg</a:t>
+                <a:rPr lang="en-US" altLang="ko-KR" sz="1400" dirty="0" smtClean="0">
+                  <a:solidFill>
+                    <a:schemeClr val="tx1"/>
+                  </a:solidFill>
+                </a:rPr>
+                <a:t>  theme(</a:t>
+              </a:r>
+              <a:r>
+                <a:rPr lang="en-US" altLang="ko-KR" sz="1400" dirty="0" err="1" smtClean="0">
+                  <a:solidFill>
+                    <a:schemeClr val="tx1"/>
+                  </a:solidFill>
+                </a:rPr>
+                <a:t>plot.title</a:t>
+              </a:r>
+              <a:r>
+                <a:rPr lang="en-US" altLang="ko-KR" sz="1400" dirty="0" smtClean="0">
+                  <a:solidFill>
+                    <a:schemeClr val="tx1"/>
+                  </a:solidFill>
+                </a:rPr>
+                <a:t>=</a:t>
+              </a:r>
+              <a:r>
+                <a:rPr lang="en-US" altLang="ko-KR" sz="1400" dirty="0" err="1" smtClean="0">
+                  <a:solidFill>
+                    <a:schemeClr val="tx1"/>
+                  </a:solidFill>
+                </a:rPr>
+                <a:t>element_text</a:t>
+              </a:r>
+              <a:r>
+                <a:rPr lang="en-US" altLang="ko-KR" sz="1400" dirty="0" smtClean="0">
+                  <a:solidFill>
+                    <a:schemeClr val="tx1"/>
+                  </a:solidFill>
+                </a:rPr>
+                <a:t>(face='bold</a:t>
+              </a:r>
+              <a:r>
+                <a:rPr lang="en-US" altLang="ko-KR" sz="1400" dirty="0" smtClean="0">
+                  <a:solidFill>
+                    <a:schemeClr val="tx1"/>
+                  </a:solidFill>
+                </a:rPr>
+                <a:t>', </a:t>
+              </a:r>
+              <a:r>
+                <a:rPr lang="en-US" altLang="ko-KR" sz="1400" dirty="0" err="1" smtClean="0">
+                  <a:solidFill>
+                    <a:schemeClr val="tx1"/>
+                  </a:solidFill>
+                </a:rPr>
+                <a:t>hjust</a:t>
               </a:r>
               <a:r>
                 <a:rPr lang="en-US" altLang="ko-KR" sz="1400" dirty="0" smtClean="0">
@@ -6387,9 +5813,416 @@
                   </a:solidFill>
                 </a:rPr>
                 <a:t> </a:t>
+              </a:r>
+              <a:r>
+                <a:rPr lang="en-US" altLang="ko-KR" sz="1400" dirty="0" smtClean="0">
+                  <a:solidFill>
+                    <a:schemeClr val="tx1"/>
+                  </a:solidFill>
+                </a:rPr>
+                <a:t>= 0.5, size = 15, color = 'red</a:t>
+              </a:r>
+              <a:r>
+                <a:rPr lang="en-US" altLang="ko-KR" sz="1400" dirty="0" smtClean="0">
+                  <a:solidFill>
+                    <a:schemeClr val="tx1"/>
+                  </a:solidFill>
+                </a:rPr>
+                <a:t>'))</a:t>
               </a:r>
             </a:p>
             <a:p>
+              <a:endParaRPr lang="en-US" altLang="ko-KR" sz="1400" dirty="0">
+                <a:solidFill>
+                  <a:schemeClr val="tx1"/>
+                </a:solidFill>
+              </a:endParaRPr>
+            </a:p>
+            <a:p>
+              <a:endParaRPr lang="en-US" altLang="ko-KR" sz="1400" dirty="0" smtClean="0">
+                <a:solidFill>
+                  <a:schemeClr val="tx1"/>
+                </a:solidFill>
+              </a:endParaRPr>
+            </a:p>
+            <a:p>
+              <a:endParaRPr lang="en-US" altLang="ko-KR" sz="1400" dirty="0">
+                <a:solidFill>
+                  <a:schemeClr val="tx1"/>
+                </a:solidFill>
+              </a:endParaRPr>
+            </a:p>
+            <a:p>
+              <a:endParaRPr lang="en-US" altLang="ko-KR" sz="1400" dirty="0" smtClean="0">
+                <a:solidFill>
+                  <a:schemeClr val="tx1"/>
+                </a:solidFill>
+              </a:endParaRPr>
+            </a:p>
+            <a:p>
+              <a:endParaRPr lang="en-US" altLang="ko-KR" sz="1400" dirty="0">
+                <a:solidFill>
+                  <a:schemeClr val="tx1"/>
+                </a:solidFill>
+              </a:endParaRPr>
+            </a:p>
+            <a:p>
+              <a:endParaRPr lang="en-US" altLang="ko-KR" sz="1400" dirty="0" smtClean="0">
+                <a:solidFill>
+                  <a:schemeClr val="tx1"/>
+                </a:solidFill>
+              </a:endParaRPr>
+            </a:p>
+            <a:p>
+              <a:endParaRPr lang="en-US" altLang="ko-KR" sz="1400" dirty="0">
+                <a:solidFill>
+                  <a:schemeClr val="tx1"/>
+                </a:solidFill>
+              </a:endParaRPr>
+            </a:p>
+            <a:p>
+              <a:endParaRPr lang="en-US" altLang="ko-KR" sz="1400" dirty="0" smtClean="0">
+                <a:solidFill>
+                  <a:schemeClr val="tx1"/>
+                </a:solidFill>
+              </a:endParaRPr>
+            </a:p>
+            <a:p>
+              <a:endParaRPr lang="en-US" altLang="ko-KR" sz="1400" dirty="0">
+                <a:solidFill>
+                  <a:schemeClr val="tx1"/>
+                </a:solidFill>
+              </a:endParaRPr>
+            </a:p>
+            <a:p>
+              <a:endParaRPr lang="en-US" altLang="ko-KR" sz="1400" dirty="0" smtClean="0">
+                <a:solidFill>
+                  <a:schemeClr val="tx1"/>
+                </a:solidFill>
+              </a:endParaRPr>
+            </a:p>
+          </p:txBody>
+        </p:sp>
+        <p:sp>
+          <p:nvSpPr>
+            <p:cNvPr id="10" name="직사각형 9"/>
+            <p:cNvSpPr/>
+            <p:nvPr/>
+          </p:nvSpPr>
+          <p:spPr>
+            <a:xfrm>
+              <a:off x="171678" y="1145787"/>
+              <a:ext cx="8720801" cy="411006"/>
+            </a:xfrm>
+            <a:prstGeom prst="rect">
+              <a:avLst/>
+            </a:prstGeom>
+            <a:noFill/>
+            <a:ln>
+              <a:solidFill>
+                <a:schemeClr val="accent1"/>
+              </a:solidFill>
+            </a:ln>
+          </p:spPr>
+          <p:style>
+            <a:lnRef idx="2">
+              <a:schemeClr val="accent1">
+                <a:shade val="50000"/>
+              </a:schemeClr>
+            </a:lnRef>
+            <a:fillRef idx="1">
+              <a:schemeClr val="accent1"/>
+            </a:fillRef>
+            <a:effectRef idx="0">
+              <a:schemeClr val="accent1"/>
+            </a:effectRef>
+            <a:fontRef idx="minor">
+              <a:schemeClr val="lt1"/>
+            </a:fontRef>
+          </p:style>
+          <p:txBody>
+            <a:bodyPr rtlCol="0" anchor="ctr"/>
+            <a:lstStyle/>
+            <a:p>
+              <a:r>
+                <a:rPr lang="en-US" altLang="ko-KR" sz="1400" dirty="0" smtClean="0">
+                  <a:solidFill>
+                    <a:schemeClr val="tx1"/>
+                  </a:solidFill>
+                </a:rPr>
+                <a:t># </a:t>
+              </a:r>
+              <a:r>
+                <a:rPr lang="en-US" altLang="ko-KR" sz="1400" dirty="0" err="1" smtClean="0">
+                  <a:solidFill>
+                    <a:schemeClr val="tx1"/>
+                  </a:solidFill>
+                </a:rPr>
+                <a:t>ggplot</a:t>
+              </a:r>
+              <a:r>
+                <a:rPr lang="ko-KR" altLang="en-US" sz="1400" dirty="0" smtClean="0">
+                  <a:solidFill>
+                    <a:schemeClr val="tx1"/>
+                  </a:solidFill>
+                </a:rPr>
+                <a:t>으로 </a:t>
+              </a:r>
+              <a:r>
+                <a:rPr lang="en-US" altLang="ko-KR" sz="1400" dirty="0" smtClean="0">
+                  <a:solidFill>
+                    <a:schemeClr val="tx1"/>
+                  </a:solidFill>
+                </a:rPr>
+                <a:t>bar</a:t>
+              </a:r>
+              <a:r>
+                <a:rPr lang="ko-KR" altLang="en-US" sz="1400" dirty="0" smtClean="0">
+                  <a:solidFill>
+                    <a:schemeClr val="tx1"/>
+                  </a:solidFill>
+                </a:rPr>
+                <a:t> 그래프 만든 후에 </a:t>
+              </a:r>
+              <a:r>
+                <a:rPr lang="en-US" altLang="ko-KR" sz="1400" dirty="0" smtClean="0">
+                  <a:solidFill>
+                    <a:schemeClr val="tx1"/>
+                  </a:solidFill>
+                </a:rPr>
+                <a:t>pie</a:t>
+              </a:r>
+              <a:r>
+                <a:rPr lang="ko-KR" altLang="en-US" sz="1400" dirty="0" smtClean="0">
+                  <a:solidFill>
+                    <a:schemeClr val="tx1"/>
+                  </a:solidFill>
+                </a:rPr>
+                <a:t>형 그래프 만들기</a:t>
+              </a:r>
+              <a:endParaRPr lang="en-US" altLang="ko-KR" sz="1400" dirty="0" smtClean="0">
+                <a:solidFill>
+                  <a:schemeClr val="tx1"/>
+                </a:solidFill>
+              </a:endParaRPr>
+            </a:p>
+          </p:txBody>
+        </p:sp>
+      </p:grpSp>
+      <p:pic>
+        <p:nvPicPr>
+          <p:cNvPr id="2050" name="Picture 2" descr="D:\Heechul\R\R_Lecture\part2\stage2\Exercise\hiphop2.jpeg"/>
+          <p:cNvPicPr>
+            <a:picLocks noChangeAspect="1" noChangeArrowheads="1"/>
+          </p:cNvPicPr>
+          <p:nvPr/>
+        </p:nvPicPr>
+        <p:blipFill rotWithShape="1">
+          <a:blip r:embed="rId2">
+            <a:extLst>
+              <a:ext uri="{28A0092B-C50C-407E-A947-70E740481C1C}">
+                <a14:useLocalDpi xmlns:a14="http://schemas.microsoft.com/office/drawing/2010/main" val="0"/>
+              </a:ext>
+            </a:extLst>
+          </a:blip>
+          <a:srcRect t="18998" b="15858"/>
+          <a:stretch/>
+        </p:blipFill>
+        <p:spPr bwMode="auto">
+          <a:xfrm>
+            <a:off x="2606124" y="3856628"/>
+            <a:ext cx="2952328" cy="2596708"/>
+          </a:xfrm>
+          <a:prstGeom prst="rect">
+            <a:avLst/>
+          </a:prstGeom>
+          <a:noFill/>
+          <a:extLst>
+            <a:ext uri="{909E8E84-426E-40DD-AFC4-6F175D3DCCD1}">
+              <a14:hiddenFill xmlns:a14="http://schemas.microsoft.com/office/drawing/2010/main">
+                <a:solidFill>
+                  <a:srgbClr val="FFFFFF"/>
+                </a:solidFill>
+              </a14:hiddenFill>
+            </a:ext>
+          </a:extLst>
+        </p:spPr>
+      </p:pic>
+    </p:spTree>
+    <p:extLst>
+      <p:ext uri="{BB962C8B-B14F-4D97-AF65-F5344CB8AC3E}">
+        <p14:creationId xmlns:p14="http://schemas.microsoft.com/office/powerpoint/2010/main" val="2818866056"/>
+      </p:ext>
+    </p:extLst>
+  </p:cSld>
+  <p:clrMapOvr>
+    <a:masterClrMapping/>
+  </p:clrMapOvr>
+</p:sld>
+</file>
+
+<file path=ppt/slides/slide6.xml><?xml version="1.0" encoding="utf-8"?>
+<p:sld xmlns:a="http://schemas.openxmlformats.org/drawingml/2006/main" xmlns:r="http://schemas.openxmlformats.org/officeDocument/2006/relationships" xmlns:p="http://schemas.openxmlformats.org/presentationml/2006/main">
+  <p:cSld>
+    <p:spTree>
+      <p:nvGrpSpPr>
+        <p:cNvPr id="1" name=""/>
+        <p:cNvGrpSpPr/>
+        <p:nvPr/>
+      </p:nvGrpSpPr>
+      <p:grpSpPr>
+        <a:xfrm>
+          <a:off x="0" y="0"/>
+          <a:ext cx="0" cy="0"/>
+          <a:chOff x="0" y="0"/>
+          <a:chExt cx="0" cy="0"/>
+        </a:xfrm>
+      </p:grpSpPr>
+      <p:sp>
+        <p:nvSpPr>
+          <p:cNvPr id="2" name="제목 1"/>
+          <p:cNvSpPr>
+            <a:spLocks noGrp="1"/>
+          </p:cNvSpPr>
+          <p:nvPr>
+            <p:ph type="ctrTitle"/>
+          </p:nvPr>
+        </p:nvSpPr>
+        <p:spPr>
+          <a:xfrm>
+            <a:off x="0" y="10758"/>
+            <a:ext cx="4355976" cy="1690049"/>
+          </a:xfrm>
+        </p:spPr>
+        <p:txBody>
+          <a:bodyPr>
+            <a:normAutofit/>
+          </a:bodyPr>
+          <a:lstStyle/>
+          <a:p>
+            <a:r>
+              <a:rPr lang="en-US" altLang="ko-KR" sz="4000" dirty="0" smtClean="0">
+                <a:solidFill>
+                  <a:schemeClr val="tx1"/>
+                </a:solidFill>
+                <a:latin typeface="+mj-lt"/>
+              </a:rPr>
+              <a:t># Bar </a:t>
+            </a:r>
+            <a:r>
+              <a:rPr lang="ko-KR" altLang="en-US" sz="4000" dirty="0" smtClean="0">
+                <a:solidFill>
+                  <a:schemeClr val="tx1"/>
+                </a:solidFill>
+                <a:latin typeface="+mj-lt"/>
+              </a:rPr>
+              <a:t>그래프</a:t>
+            </a:r>
+            <a:endParaRPr lang="en-US" altLang="ko-KR" sz="4000" dirty="0">
+              <a:solidFill>
+                <a:schemeClr val="tx1"/>
+              </a:solidFill>
+              <a:latin typeface="+mj-lt"/>
+            </a:endParaRPr>
+          </a:p>
+        </p:txBody>
+      </p:sp>
+      <p:pic>
+        <p:nvPicPr>
+          <p:cNvPr id="3074" name="Picture 2" descr="D:\Heechul\R\R_Lecture\part2\stage2\Exercise\hiphop3.jpeg"/>
+          <p:cNvPicPr>
+            <a:picLocks noChangeAspect="1" noChangeArrowheads="1"/>
+          </p:cNvPicPr>
+          <p:nvPr/>
+        </p:nvPicPr>
+        <p:blipFill>
+          <a:blip r:embed="rId2">
+            <a:extLst>
+              <a:ext uri="{28A0092B-C50C-407E-A947-70E740481C1C}">
+                <a14:useLocalDpi xmlns:a14="http://schemas.microsoft.com/office/drawing/2010/main" val="0"/>
+              </a:ext>
+            </a:extLst>
+          </a:blip>
+          <a:srcRect/>
+          <a:stretch>
+            <a:fillRect/>
+          </a:stretch>
+        </p:blipFill>
+        <p:spPr bwMode="auto">
+          <a:xfrm>
+            <a:off x="4796032" y="2543890"/>
+            <a:ext cx="4104456" cy="3672408"/>
+          </a:xfrm>
+          <a:prstGeom prst="rect">
+            <a:avLst/>
+          </a:prstGeom>
+          <a:noFill/>
+          <a:extLst>
+            <a:ext uri="{909E8E84-426E-40DD-AFC4-6F175D3DCCD1}">
+              <a14:hiddenFill xmlns:a14="http://schemas.microsoft.com/office/drawing/2010/main">
+                <a:solidFill>
+                  <a:srgbClr val="FFFFFF"/>
+                </a:solidFill>
+              </a14:hiddenFill>
+            </a:ext>
+          </a:extLst>
+        </p:spPr>
+      </p:pic>
+      <p:grpSp>
+        <p:nvGrpSpPr>
+          <p:cNvPr id="6" name="그룹 5"/>
+          <p:cNvGrpSpPr/>
+          <p:nvPr/>
+        </p:nvGrpSpPr>
+        <p:grpSpPr>
+          <a:xfrm>
+            <a:off x="168428" y="1484784"/>
+            <a:ext cx="8732060" cy="5256584"/>
+            <a:chOff x="171678" y="1145787"/>
+            <a:chExt cx="8732060" cy="4698972"/>
+          </a:xfrm>
+        </p:grpSpPr>
+        <p:sp>
+          <p:nvSpPr>
+            <p:cNvPr id="7" name="직사각형 6"/>
+            <p:cNvSpPr/>
+            <p:nvPr/>
+          </p:nvSpPr>
+          <p:spPr>
+            <a:xfrm>
+              <a:off x="179686" y="1623173"/>
+              <a:ext cx="8724052" cy="4221586"/>
+            </a:xfrm>
+            <a:prstGeom prst="rect">
+              <a:avLst/>
+            </a:prstGeom>
+            <a:noFill/>
+            <a:ln>
+              <a:solidFill>
+                <a:schemeClr val="accent1"/>
+              </a:solidFill>
+            </a:ln>
+          </p:spPr>
+          <p:style>
+            <a:lnRef idx="2">
+              <a:schemeClr val="accent1">
+                <a:shade val="50000"/>
+              </a:schemeClr>
+            </a:lnRef>
+            <a:fillRef idx="1">
+              <a:schemeClr val="accent1"/>
+            </a:fillRef>
+            <a:effectRef idx="0">
+              <a:schemeClr val="accent1"/>
+            </a:effectRef>
+            <a:fontRef idx="minor">
+              <a:schemeClr val="lt1"/>
+            </a:fontRef>
+          </p:style>
+          <p:txBody>
+            <a:bodyPr rtlCol="0" anchor="ctr"/>
+            <a:lstStyle/>
+            <a:p>
               <a:r>
                 <a:rPr lang="en-US" altLang="ko-KR" sz="1400" dirty="0" err="1" smtClean="0">
                   <a:solidFill>
@@ -6404,6 +6237,369 @@
                     <a:schemeClr val="tx1"/>
                   </a:solidFill>
                 </a:rPr>
+                <a:t> &lt;- </a:t>
+              </a:r>
+              <a:r>
+                <a:rPr lang="en-US" altLang="ko-KR" sz="1400" dirty="0" err="1" smtClean="0">
+                  <a:solidFill>
+                    <a:schemeClr val="tx1"/>
+                  </a:solidFill>
+                </a:rPr>
+                <a:t>ggplot</a:t>
+              </a:r>
+              <a:r>
+                <a:rPr lang="en-US" altLang="ko-KR" sz="1400" dirty="0" smtClean="0">
+                  <a:solidFill>
+                    <a:schemeClr val="tx1"/>
+                  </a:solidFill>
+                </a:rPr>
+                <a:t>(df_top10, </a:t>
+              </a:r>
+              <a:r>
+                <a:rPr lang="en-US" altLang="ko-KR" sz="1400" dirty="0" err="1" smtClean="0">
+                  <a:solidFill>
+                    <a:schemeClr val="tx1"/>
+                  </a:solidFill>
+                </a:rPr>
+                <a:t>aes</a:t>
+              </a:r>
+              <a:r>
+                <a:rPr lang="en-US" altLang="ko-KR" sz="1400" dirty="0" smtClean="0">
+                  <a:solidFill>
+                    <a:schemeClr val="tx1"/>
+                  </a:solidFill>
+                </a:rPr>
+                <a:t>(x=rev, y=</a:t>
+              </a:r>
+              <a:r>
+                <a:rPr lang="en-US" altLang="ko-KR" sz="1400" dirty="0" err="1" smtClean="0">
+                  <a:solidFill>
+                    <a:schemeClr val="tx1"/>
+                  </a:solidFill>
+                </a:rPr>
+                <a:t>Freq</a:t>
+              </a:r>
+              <a:r>
+                <a:rPr lang="en-US" altLang="ko-KR" sz="1400" dirty="0" smtClean="0">
+                  <a:solidFill>
+                    <a:schemeClr val="tx1"/>
+                  </a:solidFill>
+                </a:rPr>
+                <a:t>, fill=rev)) +</a:t>
+              </a:r>
+            </a:p>
+            <a:p>
+              <a:r>
+                <a:rPr lang="en-US" altLang="ko-KR" sz="1400" dirty="0" smtClean="0">
+                  <a:solidFill>
+                    <a:schemeClr val="tx1"/>
+                  </a:solidFill>
+                </a:rPr>
+                <a:t>  </a:t>
+              </a:r>
+              <a:r>
+                <a:rPr lang="en-US" altLang="ko-KR" sz="1400" dirty="0" err="1" smtClean="0">
+                  <a:solidFill>
+                    <a:schemeClr val="tx1"/>
+                  </a:solidFill>
+                </a:rPr>
+                <a:t>geom_bar</a:t>
+              </a:r>
+              <a:r>
+                <a:rPr lang="en-US" altLang="ko-KR" sz="1400" dirty="0" smtClean="0">
+                  <a:solidFill>
+                    <a:schemeClr val="tx1"/>
+                  </a:solidFill>
+                </a:rPr>
+                <a:t>(stat = 'identity', fill='green', </a:t>
+              </a:r>
+              <a:r>
+                <a:rPr lang="en-US" altLang="ko-KR" sz="1400" dirty="0" err="1" smtClean="0">
+                  <a:solidFill>
+                    <a:schemeClr val="tx1"/>
+                  </a:solidFill>
+                </a:rPr>
+                <a:t>colour</a:t>
+              </a:r>
+              <a:r>
+                <a:rPr lang="en-US" altLang="ko-KR" sz="1400" dirty="0" smtClean="0">
+                  <a:solidFill>
+                    <a:schemeClr val="tx1"/>
+                  </a:solidFill>
+                </a:rPr>
+                <a:t>='red') +</a:t>
+              </a:r>
+            </a:p>
+            <a:p>
+              <a:r>
+                <a:rPr lang="en-US" altLang="ko-KR" sz="1400" dirty="0" smtClean="0">
+                  <a:solidFill>
+                    <a:schemeClr val="tx1"/>
+                  </a:solidFill>
+                </a:rPr>
+                <a:t>  </a:t>
+              </a:r>
+              <a:r>
+                <a:rPr lang="en-US" altLang="ko-KR" sz="1400" dirty="0" err="1" smtClean="0">
+                  <a:solidFill>
+                    <a:schemeClr val="tx1"/>
+                  </a:solidFill>
+                </a:rPr>
+                <a:t>geom_text</a:t>
+              </a:r>
+              <a:r>
+                <a:rPr lang="en-US" altLang="ko-KR" sz="1400" dirty="0" smtClean="0">
+                  <a:solidFill>
+                    <a:schemeClr val="tx1"/>
+                  </a:solidFill>
+                </a:rPr>
+                <a:t>(</a:t>
+              </a:r>
+              <a:r>
+                <a:rPr lang="en-US" altLang="ko-KR" sz="1400" dirty="0" err="1" smtClean="0">
+                  <a:solidFill>
+                    <a:schemeClr val="tx1"/>
+                  </a:solidFill>
+                </a:rPr>
+                <a:t>aes</a:t>
+              </a:r>
+              <a:r>
+                <a:rPr lang="en-US" altLang="ko-KR" sz="1400" dirty="0" smtClean="0">
+                  <a:solidFill>
+                    <a:schemeClr val="tx1"/>
+                  </a:solidFill>
+                </a:rPr>
+                <a:t>(y=</a:t>
+              </a:r>
+              <a:r>
+                <a:rPr lang="en-US" altLang="ko-KR" sz="1400" dirty="0" err="1" smtClean="0">
+                  <a:solidFill>
+                    <a:schemeClr val="tx1"/>
+                  </a:solidFill>
+                </a:rPr>
+                <a:t>Freq</a:t>
+              </a:r>
+              <a:r>
+                <a:rPr lang="en-US" altLang="ko-KR" sz="1400" dirty="0" smtClean="0">
+                  <a:solidFill>
+                    <a:schemeClr val="tx1"/>
+                  </a:solidFill>
+                </a:rPr>
+                <a:t>, label=</a:t>
+              </a:r>
+              <a:r>
+                <a:rPr lang="en-US" altLang="ko-KR" sz="1400" dirty="0" err="1" smtClean="0">
+                  <a:solidFill>
+                    <a:schemeClr val="tx1"/>
+                  </a:solidFill>
+                </a:rPr>
+                <a:t>ylabel</a:t>
+              </a:r>
+              <a:r>
+                <a:rPr lang="en-US" altLang="ko-KR" sz="1400" dirty="0" smtClean="0">
+                  <a:solidFill>
+                    <a:schemeClr val="tx1"/>
+                  </a:solidFill>
+                </a:rPr>
+                <a:t>), color='black') +</a:t>
+              </a:r>
+            </a:p>
+            <a:p>
+              <a:r>
+                <a:rPr lang="en-US" altLang="ko-KR" sz="1400" dirty="0" smtClean="0">
+                  <a:solidFill>
+                    <a:schemeClr val="tx1"/>
+                  </a:solidFill>
+                </a:rPr>
+                <a:t>  </a:t>
+              </a:r>
+              <a:r>
+                <a:rPr lang="en-US" altLang="ko-KR" sz="1400" dirty="0" err="1" smtClean="0">
+                  <a:solidFill>
+                    <a:schemeClr val="tx1"/>
+                  </a:solidFill>
+                </a:rPr>
+                <a:t>ggtitle</a:t>
+              </a:r>
+              <a:r>
+                <a:rPr lang="en-US" altLang="ko-KR" sz="1400" dirty="0" smtClean="0">
+                  <a:solidFill>
+                    <a:schemeClr val="tx1"/>
+                  </a:solidFill>
+                </a:rPr>
+                <a:t>('</a:t>
+              </a:r>
+              <a:r>
+                <a:rPr lang="en-US" altLang="ko-KR" sz="1400" dirty="0" err="1" smtClean="0">
+                  <a:solidFill>
+                    <a:schemeClr val="tx1"/>
+                  </a:solidFill>
+                </a:rPr>
+                <a:t>Hiphop</a:t>
+              </a:r>
+              <a:r>
+                <a:rPr lang="en-US" altLang="ko-KR" sz="1400" dirty="0" smtClean="0">
+                  <a:solidFill>
+                    <a:schemeClr val="tx1"/>
+                  </a:solidFill>
+                </a:rPr>
+                <a:t> Words TOP 10') +</a:t>
+              </a:r>
+            </a:p>
+            <a:p>
+              <a:r>
+                <a:rPr lang="en-US" altLang="ko-KR" sz="1400" dirty="0" smtClean="0">
+                  <a:solidFill>
+                    <a:schemeClr val="tx1"/>
+                  </a:solidFill>
+                </a:rPr>
+                <a:t>  theme(</a:t>
+              </a:r>
+              <a:r>
+                <a:rPr lang="en-US" altLang="ko-KR" sz="1400" dirty="0" err="1" smtClean="0">
+                  <a:solidFill>
+                    <a:schemeClr val="tx1"/>
+                  </a:solidFill>
+                </a:rPr>
+                <a:t>plot.title</a:t>
+              </a:r>
+              <a:r>
+                <a:rPr lang="en-US" altLang="ko-KR" sz="1400" dirty="0" smtClean="0">
+                  <a:solidFill>
+                    <a:schemeClr val="tx1"/>
+                  </a:solidFill>
+                </a:rPr>
+                <a:t> = </a:t>
+              </a:r>
+              <a:r>
+                <a:rPr lang="en-US" altLang="ko-KR" sz="1400" dirty="0" err="1" smtClean="0">
+                  <a:solidFill>
+                    <a:schemeClr val="tx1"/>
+                  </a:solidFill>
+                </a:rPr>
+                <a:t>element_text</a:t>
+              </a:r>
+              <a:endParaRPr lang="en-US" altLang="ko-KR" sz="1400" dirty="0" smtClean="0">
+                <a:solidFill>
+                  <a:schemeClr val="tx1"/>
+                </a:solidFill>
+              </a:endParaRPr>
+            </a:p>
+            <a:p>
+              <a:r>
+                <a:rPr lang="en-US" altLang="ko-KR" sz="1400" dirty="0">
+                  <a:solidFill>
+                    <a:schemeClr val="tx1"/>
+                  </a:solidFill>
+                </a:rPr>
+                <a:t> </a:t>
+              </a:r>
+              <a:r>
+                <a:rPr lang="en-US" altLang="ko-KR" sz="1400" dirty="0" smtClean="0">
+                  <a:solidFill>
+                    <a:schemeClr val="tx1"/>
+                  </a:solidFill>
+                </a:rPr>
+                <a:t>          </a:t>
+              </a:r>
+              <a:r>
+                <a:rPr lang="en-US" altLang="ko-KR" sz="1400" dirty="0" smtClean="0">
+                  <a:solidFill>
+                    <a:schemeClr val="tx1"/>
+                  </a:solidFill>
+                </a:rPr>
+                <a:t>(face='bold',</a:t>
+              </a:r>
+              <a:r>
+                <a:rPr lang="en-US" altLang="ko-KR" sz="1400" dirty="0" err="1" smtClean="0">
+                  <a:solidFill>
+                    <a:schemeClr val="tx1"/>
+                  </a:solidFill>
+                </a:rPr>
+                <a:t>hjust</a:t>
+              </a:r>
+              <a:r>
+                <a:rPr lang="en-US" altLang="ko-KR" sz="1400" dirty="0" smtClean="0">
+                  <a:solidFill>
+                    <a:schemeClr val="tx1"/>
+                  </a:solidFill>
+                </a:rPr>
+                <a:t> =0.5</a:t>
+              </a:r>
+              <a:r>
+                <a:rPr lang="en-US" altLang="ko-KR" sz="1400" dirty="0" smtClean="0">
+                  <a:solidFill>
+                    <a:schemeClr val="tx1"/>
+                  </a:solidFill>
+                </a:rPr>
+                <a:t>, </a:t>
+              </a:r>
+              <a:r>
+                <a:rPr lang="en-US" altLang="ko-KR" sz="1400" dirty="0" smtClean="0">
+                  <a:solidFill>
+                    <a:schemeClr val="tx1"/>
+                  </a:solidFill>
+                </a:rPr>
+                <a:t>size=15</a:t>
+              </a:r>
+              <a:r>
+                <a:rPr lang="en-US" altLang="ko-KR" sz="1400" dirty="0" smtClean="0">
+                  <a:solidFill>
+                    <a:schemeClr val="tx1"/>
+                  </a:solidFill>
+                </a:rPr>
+                <a:t>, </a:t>
+              </a:r>
+              <a:r>
+                <a:rPr lang="en-US" altLang="ko-KR" sz="1400" dirty="0" smtClean="0">
+                  <a:solidFill>
+                    <a:schemeClr val="tx1"/>
+                  </a:solidFill>
+                </a:rPr>
+                <a:t>color='red</a:t>
+              </a:r>
+              <a:r>
+                <a:rPr lang="en-US" altLang="ko-KR" sz="1400" dirty="0" smtClean="0">
+                  <a:solidFill>
+                    <a:schemeClr val="tx1"/>
+                  </a:solidFill>
+                </a:rPr>
+                <a:t>'))</a:t>
+              </a:r>
+            </a:p>
+            <a:p>
+              <a:r>
+                <a:rPr lang="en-US" altLang="ko-KR" sz="1400" dirty="0" err="1" smtClean="0">
+                  <a:solidFill>
+                    <a:schemeClr val="tx1"/>
+                  </a:solidFill>
+                </a:rPr>
+                <a:t>gg</a:t>
+              </a:r>
+              <a:r>
+                <a:rPr lang="en-US" altLang="ko-KR" sz="1400" dirty="0" smtClean="0">
+                  <a:solidFill>
+                    <a:schemeClr val="tx1"/>
+                  </a:solidFill>
+                </a:rPr>
+                <a:t> </a:t>
+              </a:r>
+            </a:p>
+            <a:p>
+              <a:r>
+                <a:rPr lang="en-US" altLang="ko-KR" sz="1400" dirty="0" err="1" smtClean="0">
+                  <a:solidFill>
+                    <a:schemeClr val="tx1"/>
+                  </a:solidFill>
+                </a:rPr>
+                <a:t>gg</a:t>
+              </a:r>
+              <a:r>
+                <a:rPr lang="en-US" altLang="ko-KR" sz="1400" dirty="0" smtClean="0">
+                  <a:solidFill>
+                    <a:schemeClr val="tx1"/>
+                  </a:solidFill>
+                </a:rPr>
                 <a:t> + theme(</a:t>
               </a:r>
               <a:r>
@@ -6430,13 +6626,28 @@
                 </a:rPr>
                 <a:t>element_text</a:t>
               </a:r>
-              <a:r>
-                <a:rPr lang="en-US" altLang="ko-KR" sz="1400" dirty="0" smtClean="0">
-                  <a:solidFill>
-                    <a:schemeClr val="tx1"/>
-                  </a:solidFill>
-                </a:rPr>
-                <a:t>(angle=30, </a:t>
+              <a:endParaRPr lang="en-US" altLang="ko-KR" sz="1400" dirty="0" smtClean="0">
+                <a:solidFill>
+                  <a:schemeClr val="tx1"/>
+                </a:solidFill>
+              </a:endParaRPr>
+            </a:p>
+            <a:p>
+              <a:r>
+                <a:rPr lang="en-US" altLang="ko-KR" sz="1400" dirty="0" smtClean="0">
+                  <a:solidFill>
+                    <a:schemeClr val="tx1"/>
+                  </a:solidFill>
+                </a:rPr>
+                <a:t>        (</a:t>
+              </a:r>
+              <a:r>
+                <a:rPr lang="en-US" altLang="ko-KR" sz="1400" dirty="0" smtClean="0">
+                  <a:solidFill>
+                    <a:schemeClr val="tx1"/>
+                  </a:solidFill>
+                </a:rPr>
+                <a:t>angle=30, </a:t>
               </a:r>
               <a:r>
                 <a:rPr lang="en-US" altLang="ko-KR" sz="1400" dirty="0" err="1" smtClean="0">
@@ -6452,7 +6663,15 @@
                     <a:schemeClr val="tx1"/>
                   </a:solidFill>
                 </a:rPr>
-                <a:t> = 1, </a:t>
+                <a:t>=1</a:t>
+              </a:r>
+              <a:r>
+                <a:rPr lang="en-US" altLang="ko-KR" sz="1400" dirty="0" smtClean="0">
+                  <a:solidFill>
+                    <a:schemeClr val="tx1"/>
+                  </a:solidFill>
+                </a:rPr>
+                <a:t>, </a:t>
               </a:r>
               <a:r>
                 <a:rPr lang="en-US" altLang="ko-KR" sz="1400" dirty="0" err="1" smtClean="0">
@@ -6468,7 +6687,31 @@
                     <a:schemeClr val="tx1"/>
                   </a:solidFill>
                 </a:rPr>
-                <a:t> = 1, color= 'blue', size=8))</a:t>
+                <a:t>=1</a:t>
+              </a:r>
+              <a:r>
+                <a:rPr lang="en-US" altLang="ko-KR" sz="1400" dirty="0" smtClean="0">
+                  <a:solidFill>
+                    <a:schemeClr val="tx1"/>
+                  </a:solidFill>
+                </a:rPr>
+                <a:t>, color</a:t>
+              </a:r>
+              <a:r>
+                <a:rPr lang="en-US" altLang="ko-KR" sz="1400" dirty="0" smtClean="0">
+                  <a:solidFill>
+                    <a:schemeClr val="tx1"/>
+                  </a:solidFill>
+                </a:rPr>
+                <a:t>='blue</a:t>
+              </a:r>
+              <a:r>
+                <a:rPr lang="en-US" altLang="ko-KR" sz="1400" dirty="0" smtClean="0">
+                  <a:solidFill>
+                    <a:schemeClr val="tx1"/>
+                  </a:solidFill>
+                </a:rPr>
+                <a:t>', size=8))</a:t>
               </a:r>
             </a:p>
           </p:txBody>
